--- a/Movies Ontology.pptx
+++ b/Movies Ontology.pptx
@@ -5,7 +5,7 @@
     <p:sldMasterId id="2147483659" r:id="rId1"/>
   </p:sldMasterIdLst>
   <p:notesMasterIdLst>
-    <p:notesMasterId r:id="rId15"/>
+    <p:notesMasterId r:id="rId18"/>
   </p:notesMasterIdLst>
   <p:sldIdLst>
     <p:sldId id="256" r:id="rId2"/>
@@ -21,6 +21,9 @@
     <p:sldId id="266" r:id="rId12"/>
     <p:sldId id="267" r:id="rId13"/>
     <p:sldId id="268" r:id="rId14"/>
+    <p:sldId id="269" r:id="rId15"/>
+    <p:sldId id="270" r:id="rId16"/>
+    <p:sldId id="271" r:id="rId17"/>
   </p:sldIdLst>
   <p:sldSz cx="9144000" cy="5143500" type="screen16x9"/>
   <p:notesSz cx="6858000" cy="9144000"/>
@@ -1044,7 +1047,7 @@
       </p:grpSpPr>
       <p:sp>
         <p:nvSpPr>
-          <p:cNvPr id="107" name="Google Shape;107;g247a2e17c14_0_1389:notes"/>
+          <p:cNvPr id="107" name="Google Shape;107;g247e5c458fc_0_0:notes"/>
           <p:cNvSpPr>
             <a:spLocks noGrp="1" noRot="1" noChangeAspect="1"/>
           </p:cNvSpPr>
@@ -1085,7 +1088,7 @@
       </p:sp>
       <p:sp>
         <p:nvSpPr>
-          <p:cNvPr id="108" name="Google Shape;108;g247a2e17c14_0_1389:notes"/>
+          <p:cNvPr id="108" name="Google Shape;108;g247e5c458fc_0_0:notes"/>
           <p:cNvSpPr txBox="1">
             <a:spLocks noGrp="1"/>
           </p:cNvSpPr>
@@ -1134,7 +1137,7 @@
   <p:cSld>
     <p:spTree>
       <p:nvGrpSpPr>
-        <p:cNvPr id="1" name="Shape 111"/>
+        <p:cNvPr id="1" name="Shape 113"/>
         <p:cNvGrpSpPr/>
         <p:nvPr/>
       </p:nvGrpSpPr>
@@ -1148,7 +1151,7 @@
       </p:grpSpPr>
       <p:sp>
         <p:nvSpPr>
-          <p:cNvPr id="112" name="Google Shape;112;g247a2e17c14_0_1392:notes"/>
+          <p:cNvPr id="114" name="Google Shape;114;g247e5c458fc_0_9:notes"/>
           <p:cNvSpPr>
             <a:spLocks noGrp="1" noRot="1" noChangeAspect="1"/>
           </p:cNvSpPr>
@@ -1189,7 +1192,319 @@
       </p:sp>
       <p:sp>
         <p:nvSpPr>
-          <p:cNvPr id="113" name="Google Shape;113;g247a2e17c14_0_1392:notes"/>
+          <p:cNvPr id="115" name="Google Shape;115;g247e5c458fc_0_9:notes"/>
+          <p:cNvSpPr txBox="1">
+            <a:spLocks noGrp="1"/>
+          </p:cNvSpPr>
+          <p:nvPr>
+            <p:ph type="body" idx="1"/>
+          </p:nvPr>
+        </p:nvSpPr>
+        <p:spPr>
+          <a:xfrm>
+            <a:off x="685800" y="4343400"/>
+            <a:ext cx="5486400" cy="4114800"/>
+          </a:xfrm>
+          <a:prstGeom prst="rect">
+            <a:avLst/>
+          </a:prstGeom>
+        </p:spPr>
+        <p:txBody>
+          <a:bodyPr spcFirstLastPara="1" wrap="square" lIns="91425" tIns="91425" rIns="91425" bIns="91425" anchor="t" anchorCtr="0">
+            <a:noAutofit/>
+          </a:bodyPr>
+          <a:lstStyle/>
+          <a:p>
+            <a:pPr marL="0" lvl="0" indent="0" algn="l" rtl="0">
+              <a:spcBef>
+                <a:spcPts val="0"/>
+              </a:spcBef>
+              <a:spcAft>
+                <a:spcPts val="0"/>
+              </a:spcAft>
+              <a:buNone/>
+            </a:pPr>
+            <a:endParaRPr/>
+          </a:p>
+        </p:txBody>
+      </p:sp>
+    </p:spTree>
+  </p:cSld>
+  <p:clrMapOvr>
+    <a:masterClrMapping/>
+  </p:clrMapOvr>
+</p:notes>
+</file>
+
+<file path=ppt/notesSlides/notesSlide14.xml><?xml version="1.0" encoding="utf-8"?>
+<p:notes xmlns:a="http://schemas.openxmlformats.org/drawingml/2006/main" xmlns:r="http://schemas.openxmlformats.org/officeDocument/2006/relationships" xmlns:p="http://schemas.openxmlformats.org/presentationml/2006/main" showMasterSp="0" showMasterPhAnim="0">
+  <p:cSld>
+    <p:spTree>
+      <p:nvGrpSpPr>
+        <p:cNvPr id="1" name="Shape 121"/>
+        <p:cNvGrpSpPr/>
+        <p:nvPr/>
+      </p:nvGrpSpPr>
+      <p:grpSpPr>
+        <a:xfrm>
+          <a:off x="0" y="0"/>
+          <a:ext cx="0" cy="0"/>
+          <a:chOff x="0" y="0"/>
+          <a:chExt cx="0" cy="0"/>
+        </a:xfrm>
+      </p:grpSpPr>
+      <p:sp>
+        <p:nvSpPr>
+          <p:cNvPr id="122" name="Google Shape;122;g247e5c458fc_0_22:notes"/>
+          <p:cNvSpPr>
+            <a:spLocks noGrp="1" noRot="1" noChangeAspect="1"/>
+          </p:cNvSpPr>
+          <p:nvPr>
+            <p:ph type="sldImg" idx="2"/>
+          </p:nvPr>
+        </p:nvSpPr>
+        <p:spPr>
+          <a:xfrm>
+            <a:off x="381300" y="685800"/>
+            <a:ext cx="6096000" cy="3429000"/>
+          </a:xfrm>
+          <a:custGeom>
+            <a:avLst/>
+            <a:gdLst/>
+            <a:ahLst/>
+            <a:cxnLst/>
+            <a:rect l="l" t="t" r="r" b="b"/>
+            <a:pathLst>
+              <a:path w="120000" h="120000" extrusionOk="0">
+                <a:moveTo>
+                  <a:pt x="0" y="0"/>
+                </a:moveTo>
+                <a:lnTo>
+                  <a:pt x="120000" y="0"/>
+                </a:lnTo>
+                <a:lnTo>
+                  <a:pt x="120000" y="120000"/>
+                </a:lnTo>
+                <a:lnTo>
+                  <a:pt x="0" y="120000"/>
+                </a:lnTo>
+                <a:close/>
+              </a:path>
+            </a:pathLst>
+          </a:custGeom>
+        </p:spPr>
+      </p:sp>
+      <p:sp>
+        <p:nvSpPr>
+          <p:cNvPr id="123" name="Google Shape;123;g247e5c458fc_0_22:notes"/>
+          <p:cNvSpPr txBox="1">
+            <a:spLocks noGrp="1"/>
+          </p:cNvSpPr>
+          <p:nvPr>
+            <p:ph type="body" idx="1"/>
+          </p:nvPr>
+        </p:nvSpPr>
+        <p:spPr>
+          <a:xfrm>
+            <a:off x="685800" y="4343400"/>
+            <a:ext cx="5486400" cy="4114800"/>
+          </a:xfrm>
+          <a:prstGeom prst="rect">
+            <a:avLst/>
+          </a:prstGeom>
+        </p:spPr>
+        <p:txBody>
+          <a:bodyPr spcFirstLastPara="1" wrap="square" lIns="91425" tIns="91425" rIns="91425" bIns="91425" anchor="t" anchorCtr="0">
+            <a:noAutofit/>
+          </a:bodyPr>
+          <a:lstStyle/>
+          <a:p>
+            <a:pPr marL="0" lvl="0" indent="0" algn="l" rtl="0">
+              <a:spcBef>
+                <a:spcPts val="0"/>
+              </a:spcBef>
+              <a:spcAft>
+                <a:spcPts val="0"/>
+              </a:spcAft>
+              <a:buNone/>
+            </a:pPr>
+            <a:endParaRPr/>
+          </a:p>
+        </p:txBody>
+      </p:sp>
+    </p:spTree>
+  </p:cSld>
+  <p:clrMapOvr>
+    <a:masterClrMapping/>
+  </p:clrMapOvr>
+</p:notes>
+</file>
+
+<file path=ppt/notesSlides/notesSlide15.xml><?xml version="1.0" encoding="utf-8"?>
+<p:notes xmlns:a="http://schemas.openxmlformats.org/drawingml/2006/main" xmlns:r="http://schemas.openxmlformats.org/officeDocument/2006/relationships" xmlns:p="http://schemas.openxmlformats.org/presentationml/2006/main" showMasterSp="0" showMasterPhAnim="0">
+  <p:cSld>
+    <p:spTree>
+      <p:nvGrpSpPr>
+        <p:cNvPr id="1" name="Shape 128"/>
+        <p:cNvGrpSpPr/>
+        <p:nvPr/>
+      </p:nvGrpSpPr>
+      <p:grpSpPr>
+        <a:xfrm>
+          <a:off x="0" y="0"/>
+          <a:ext cx="0" cy="0"/>
+          <a:chOff x="0" y="0"/>
+          <a:chExt cx="0" cy="0"/>
+        </a:xfrm>
+      </p:grpSpPr>
+      <p:sp>
+        <p:nvSpPr>
+          <p:cNvPr id="129" name="Google Shape;129;g247a2e17c14_0_1389:notes"/>
+          <p:cNvSpPr>
+            <a:spLocks noGrp="1" noRot="1" noChangeAspect="1"/>
+          </p:cNvSpPr>
+          <p:nvPr>
+            <p:ph type="sldImg" idx="2"/>
+          </p:nvPr>
+        </p:nvSpPr>
+        <p:spPr>
+          <a:xfrm>
+            <a:off x="381300" y="685800"/>
+            <a:ext cx="6096000" cy="3429000"/>
+          </a:xfrm>
+          <a:custGeom>
+            <a:avLst/>
+            <a:gdLst/>
+            <a:ahLst/>
+            <a:cxnLst/>
+            <a:rect l="l" t="t" r="r" b="b"/>
+            <a:pathLst>
+              <a:path w="120000" h="120000" extrusionOk="0">
+                <a:moveTo>
+                  <a:pt x="0" y="0"/>
+                </a:moveTo>
+                <a:lnTo>
+                  <a:pt x="120000" y="0"/>
+                </a:lnTo>
+                <a:lnTo>
+                  <a:pt x="120000" y="120000"/>
+                </a:lnTo>
+                <a:lnTo>
+                  <a:pt x="0" y="120000"/>
+                </a:lnTo>
+                <a:close/>
+              </a:path>
+            </a:pathLst>
+          </a:custGeom>
+        </p:spPr>
+      </p:sp>
+      <p:sp>
+        <p:nvSpPr>
+          <p:cNvPr id="130" name="Google Shape;130;g247a2e17c14_0_1389:notes"/>
+          <p:cNvSpPr txBox="1">
+            <a:spLocks noGrp="1"/>
+          </p:cNvSpPr>
+          <p:nvPr>
+            <p:ph type="body" idx="1"/>
+          </p:nvPr>
+        </p:nvSpPr>
+        <p:spPr>
+          <a:xfrm>
+            <a:off x="685800" y="4343400"/>
+            <a:ext cx="5486400" cy="4114800"/>
+          </a:xfrm>
+          <a:prstGeom prst="rect">
+            <a:avLst/>
+          </a:prstGeom>
+        </p:spPr>
+        <p:txBody>
+          <a:bodyPr spcFirstLastPara="1" wrap="square" lIns="91425" tIns="91425" rIns="91425" bIns="91425" anchor="t" anchorCtr="0">
+            <a:noAutofit/>
+          </a:bodyPr>
+          <a:lstStyle/>
+          <a:p>
+            <a:pPr marL="0" lvl="0" indent="0" algn="l" rtl="0">
+              <a:spcBef>
+                <a:spcPts val="0"/>
+              </a:spcBef>
+              <a:spcAft>
+                <a:spcPts val="0"/>
+              </a:spcAft>
+              <a:buNone/>
+            </a:pPr>
+            <a:endParaRPr/>
+          </a:p>
+        </p:txBody>
+      </p:sp>
+    </p:spTree>
+  </p:cSld>
+  <p:clrMapOvr>
+    <a:masterClrMapping/>
+  </p:clrMapOvr>
+</p:notes>
+</file>
+
+<file path=ppt/notesSlides/notesSlide16.xml><?xml version="1.0" encoding="utf-8"?>
+<p:notes xmlns:a="http://schemas.openxmlformats.org/drawingml/2006/main" xmlns:r="http://schemas.openxmlformats.org/officeDocument/2006/relationships" xmlns:p="http://schemas.openxmlformats.org/presentationml/2006/main" showMasterSp="0" showMasterPhAnim="0">
+  <p:cSld>
+    <p:spTree>
+      <p:nvGrpSpPr>
+        <p:cNvPr id="1" name="Shape 133"/>
+        <p:cNvGrpSpPr/>
+        <p:nvPr/>
+      </p:nvGrpSpPr>
+      <p:grpSpPr>
+        <a:xfrm>
+          <a:off x="0" y="0"/>
+          <a:ext cx="0" cy="0"/>
+          <a:chOff x="0" y="0"/>
+          <a:chExt cx="0" cy="0"/>
+        </a:xfrm>
+      </p:grpSpPr>
+      <p:sp>
+        <p:nvSpPr>
+          <p:cNvPr id="134" name="Google Shape;134;g247a2e17c14_0_1392:notes"/>
+          <p:cNvSpPr>
+            <a:spLocks noGrp="1" noRot="1" noChangeAspect="1"/>
+          </p:cNvSpPr>
+          <p:nvPr>
+            <p:ph type="sldImg" idx="2"/>
+          </p:nvPr>
+        </p:nvSpPr>
+        <p:spPr>
+          <a:xfrm>
+            <a:off x="381300" y="685800"/>
+            <a:ext cx="6096000" cy="3429000"/>
+          </a:xfrm>
+          <a:custGeom>
+            <a:avLst/>
+            <a:gdLst/>
+            <a:ahLst/>
+            <a:cxnLst/>
+            <a:rect l="l" t="t" r="r" b="b"/>
+            <a:pathLst>
+              <a:path w="120000" h="120000" extrusionOk="0">
+                <a:moveTo>
+                  <a:pt x="0" y="0"/>
+                </a:moveTo>
+                <a:lnTo>
+                  <a:pt x="120000" y="0"/>
+                </a:lnTo>
+                <a:lnTo>
+                  <a:pt x="120000" y="120000"/>
+                </a:lnTo>
+                <a:lnTo>
+                  <a:pt x="0" y="120000"/>
+                </a:lnTo>
+                <a:close/>
+              </a:path>
+            </a:pathLst>
+          </a:custGeom>
+        </p:spPr>
+      </p:sp>
+      <p:sp>
+        <p:nvSpPr>
+          <p:cNvPr id="135" name="Google Shape;135;g247a2e17c14_0_1392:notes"/>
           <p:cNvSpPr txBox="1">
             <a:spLocks noGrp="1"/>
           </p:cNvSpPr>
@@ -7018,9 +7333,407 @@
           <a:chExt cx="0" cy="0"/>
         </a:xfrm>
       </p:grpSpPr>
+      <p:sp>
+        <p:nvSpPr>
+          <p:cNvPr id="110" name="Google Shape;110;p24"/>
+          <p:cNvSpPr txBox="1">
+            <a:spLocks noGrp="1"/>
+          </p:cNvSpPr>
+          <p:nvPr>
+            <p:ph type="title"/>
+          </p:nvPr>
+        </p:nvSpPr>
+        <p:spPr>
+          <a:xfrm>
+            <a:off x="311700" y="445025"/>
+            <a:ext cx="8520600" cy="572700"/>
+          </a:xfrm>
+          <a:prstGeom prst="rect">
+            <a:avLst/>
+          </a:prstGeom>
+        </p:spPr>
+        <p:txBody>
+          <a:bodyPr spcFirstLastPara="1" wrap="square" lIns="91425" tIns="91425" rIns="91425" bIns="91425" anchor="t" anchorCtr="0">
+            <a:noAutofit/>
+          </a:bodyPr>
+          <a:lstStyle/>
+          <a:p>
+            <a:pPr marL="0" lvl="0" indent="0" algn="l" rtl="0">
+              <a:spcBef>
+                <a:spcPts val="0"/>
+              </a:spcBef>
+              <a:spcAft>
+                <a:spcPts val="0"/>
+              </a:spcAft>
+              <a:buSzPts val="990"/>
+              <a:buNone/>
+            </a:pPr>
+            <a:r>
+              <a:rPr lang="en" sz="1820"/>
+              <a:t>List all persons in the ontology showing if they are actor, director, and writer.</a:t>
+            </a:r>
+            <a:endParaRPr sz="1820"/>
+          </a:p>
+        </p:txBody>
+      </p:sp>
       <p:pic>
         <p:nvPicPr>
-          <p:cNvPr id="110" name="Google Shape;110;p24"/>
+          <p:cNvPr id="111" name="Google Shape;111;p24"/>
+          <p:cNvPicPr preferRelativeResize="0"/>
+          <p:nvPr/>
+        </p:nvPicPr>
+        <p:blipFill>
+          <a:blip r:embed="rId3">
+            <a:alphaModFix/>
+          </a:blip>
+          <a:stretch>
+            <a:fillRect/>
+          </a:stretch>
+        </p:blipFill>
+        <p:spPr>
+          <a:xfrm>
+            <a:off x="5315075" y="843750"/>
+            <a:ext cx="3429150" cy="3970251"/>
+          </a:xfrm>
+          <a:prstGeom prst="rect">
+            <a:avLst/>
+          </a:prstGeom>
+          <a:noFill/>
+          <a:ln>
+            <a:noFill/>
+          </a:ln>
+        </p:spPr>
+      </p:pic>
+      <p:pic>
+        <p:nvPicPr>
+          <p:cNvPr id="112" name="Google Shape;112;p24"/>
+          <p:cNvPicPr preferRelativeResize="0"/>
+          <p:nvPr/>
+        </p:nvPicPr>
+        <p:blipFill>
+          <a:blip r:embed="rId4">
+            <a:alphaModFix/>
+          </a:blip>
+          <a:stretch>
+            <a:fillRect/>
+          </a:stretch>
+        </p:blipFill>
+        <p:spPr>
+          <a:xfrm>
+            <a:off x="152400" y="1170125"/>
+            <a:ext cx="5010275" cy="1685788"/>
+          </a:xfrm>
+          <a:prstGeom prst="rect">
+            <a:avLst/>
+          </a:prstGeom>
+          <a:noFill/>
+          <a:ln>
+            <a:noFill/>
+          </a:ln>
+        </p:spPr>
+      </p:pic>
+    </p:spTree>
+  </p:cSld>
+  <p:clrMapOvr>
+    <a:masterClrMapping/>
+  </p:clrMapOvr>
+</p:sld>
+</file>
+
+<file path=ppt/slides/slide13.xml><?xml version="1.0" encoding="utf-8"?>
+<p:sld xmlns:a="http://schemas.openxmlformats.org/drawingml/2006/main" xmlns:r="http://schemas.openxmlformats.org/officeDocument/2006/relationships" xmlns:p="http://schemas.openxmlformats.org/presentationml/2006/main">
+  <p:cSld>
+    <p:spTree>
+      <p:nvGrpSpPr>
+        <p:cNvPr id="1" name="Shape 116"/>
+        <p:cNvGrpSpPr/>
+        <p:nvPr/>
+      </p:nvGrpSpPr>
+      <p:grpSpPr>
+        <a:xfrm>
+          <a:off x="0" y="0"/>
+          <a:ext cx="0" cy="0"/>
+          <a:chOff x="0" y="0"/>
+          <a:chExt cx="0" cy="0"/>
+        </a:xfrm>
+      </p:grpSpPr>
+      <p:sp>
+        <p:nvSpPr>
+          <p:cNvPr id="117" name="Google Shape;117;p25"/>
+          <p:cNvSpPr txBox="1">
+            <a:spLocks noGrp="1"/>
+          </p:cNvSpPr>
+          <p:nvPr>
+            <p:ph type="title"/>
+          </p:nvPr>
+        </p:nvSpPr>
+        <p:spPr>
+          <a:xfrm>
+            <a:off x="311700" y="445025"/>
+            <a:ext cx="8520600" cy="572700"/>
+          </a:xfrm>
+          <a:prstGeom prst="rect">
+            <a:avLst/>
+          </a:prstGeom>
+        </p:spPr>
+        <p:txBody>
+          <a:bodyPr spcFirstLastPara="1" wrap="square" lIns="91425" tIns="91425" rIns="91425" bIns="91425" anchor="t" anchorCtr="0">
+            <a:noAutofit/>
+          </a:bodyPr>
+          <a:lstStyle/>
+          <a:p>
+            <a:pPr marL="0" lvl="0" indent="0" algn="l" rtl="0">
+              <a:spcBef>
+                <a:spcPts val="0"/>
+              </a:spcBef>
+              <a:spcAft>
+                <a:spcPts val="0"/>
+              </a:spcAft>
+              <a:buSzPts val="990"/>
+              <a:buNone/>
+            </a:pPr>
+            <a:r>
+              <a:rPr lang="en" sz="1820"/>
+              <a:t>List the movie titles and its details</a:t>
+            </a:r>
+            <a:endParaRPr sz="1820"/>
+          </a:p>
+        </p:txBody>
+      </p:sp>
+      <p:pic>
+        <p:nvPicPr>
+          <p:cNvPr id="118" name="Google Shape;118;p25"/>
+          <p:cNvPicPr preferRelativeResize="0"/>
+          <p:nvPr/>
+        </p:nvPicPr>
+        <p:blipFill>
+          <a:blip r:embed="rId3">
+            <a:alphaModFix/>
+          </a:blip>
+          <a:stretch>
+            <a:fillRect/>
+          </a:stretch>
+        </p:blipFill>
+        <p:spPr>
+          <a:xfrm>
+            <a:off x="152400" y="1170125"/>
+            <a:ext cx="5010274" cy="3648077"/>
+          </a:xfrm>
+          <a:prstGeom prst="rect">
+            <a:avLst/>
+          </a:prstGeom>
+          <a:noFill/>
+          <a:ln>
+            <a:noFill/>
+          </a:ln>
+        </p:spPr>
+      </p:pic>
+      <p:pic>
+        <p:nvPicPr>
+          <p:cNvPr id="119" name="Google Shape;119;p25"/>
+          <p:cNvPicPr preferRelativeResize="0"/>
+          <p:nvPr/>
+        </p:nvPicPr>
+        <p:blipFill rotWithShape="1">
+          <a:blip r:embed="rId4">
+            <a:alphaModFix/>
+          </a:blip>
+          <a:srcRect r="56207"/>
+          <a:stretch/>
+        </p:blipFill>
+        <p:spPr>
+          <a:xfrm>
+            <a:off x="5340725" y="800925"/>
+            <a:ext cx="3803275" cy="1599825"/>
+          </a:xfrm>
+          <a:prstGeom prst="rect">
+            <a:avLst/>
+          </a:prstGeom>
+          <a:noFill/>
+          <a:ln>
+            <a:noFill/>
+          </a:ln>
+        </p:spPr>
+      </p:pic>
+      <p:pic>
+        <p:nvPicPr>
+          <p:cNvPr id="120" name="Google Shape;120;p25"/>
+          <p:cNvPicPr preferRelativeResize="0"/>
+          <p:nvPr/>
+        </p:nvPicPr>
+        <p:blipFill rotWithShape="1">
+          <a:blip r:embed="rId5">
+            <a:alphaModFix/>
+          </a:blip>
+          <a:srcRect r="61616"/>
+          <a:stretch/>
+        </p:blipFill>
+        <p:spPr>
+          <a:xfrm>
+            <a:off x="5340725" y="2264300"/>
+            <a:ext cx="3671199" cy="2879200"/>
+          </a:xfrm>
+          <a:prstGeom prst="rect">
+            <a:avLst/>
+          </a:prstGeom>
+          <a:noFill/>
+          <a:ln>
+            <a:noFill/>
+          </a:ln>
+        </p:spPr>
+      </p:pic>
+    </p:spTree>
+  </p:cSld>
+  <p:clrMapOvr>
+    <a:masterClrMapping/>
+  </p:clrMapOvr>
+</p:sld>
+</file>
+
+<file path=ppt/slides/slide14.xml><?xml version="1.0" encoding="utf-8"?>
+<p:sld xmlns:a="http://schemas.openxmlformats.org/drawingml/2006/main" xmlns:r="http://schemas.openxmlformats.org/officeDocument/2006/relationships" xmlns:p="http://schemas.openxmlformats.org/presentationml/2006/main">
+  <p:cSld>
+    <p:spTree>
+      <p:nvGrpSpPr>
+        <p:cNvPr id="1" name="Shape 124"/>
+        <p:cNvGrpSpPr/>
+        <p:nvPr/>
+      </p:nvGrpSpPr>
+      <p:grpSpPr>
+        <a:xfrm>
+          <a:off x="0" y="0"/>
+          <a:ext cx="0" cy="0"/>
+          <a:chOff x="0" y="0"/>
+          <a:chExt cx="0" cy="0"/>
+        </a:xfrm>
+      </p:grpSpPr>
+      <p:sp>
+        <p:nvSpPr>
+          <p:cNvPr id="125" name="Google Shape;125;p26"/>
+          <p:cNvSpPr txBox="1">
+            <a:spLocks noGrp="1"/>
+          </p:cNvSpPr>
+          <p:nvPr>
+            <p:ph type="title"/>
+          </p:nvPr>
+        </p:nvSpPr>
+        <p:spPr>
+          <a:xfrm>
+            <a:off x="311700" y="445025"/>
+            <a:ext cx="8520600" cy="572700"/>
+          </a:xfrm>
+          <a:prstGeom prst="rect">
+            <a:avLst/>
+          </a:prstGeom>
+        </p:spPr>
+        <p:txBody>
+          <a:bodyPr spcFirstLastPara="1" wrap="square" lIns="91425" tIns="91425" rIns="91425" bIns="91425" anchor="t" anchorCtr="0">
+            <a:noAutofit/>
+          </a:bodyPr>
+          <a:lstStyle/>
+          <a:p>
+            <a:pPr marL="0" lvl="0" indent="0" algn="l" rtl="0">
+              <a:spcBef>
+                <a:spcPts val="0"/>
+              </a:spcBef>
+              <a:spcAft>
+                <a:spcPts val="0"/>
+              </a:spcAft>
+              <a:buSzPts val="990"/>
+              <a:buNone/>
+            </a:pPr>
+            <a:r>
+              <a:rPr lang="en" sz="1520"/>
+              <a:t>the query selects movies and retrieves their titles, along with either the associated actors or the directors. also includes a conjunction to make sure movie was before 2010 and is “Action”</a:t>
+            </a:r>
+            <a:endParaRPr sz="1520"/>
+          </a:p>
+        </p:txBody>
+      </p:sp>
+      <p:pic>
+        <p:nvPicPr>
+          <p:cNvPr id="126" name="Google Shape;126;p26"/>
+          <p:cNvPicPr preferRelativeResize="0"/>
+          <p:nvPr/>
+        </p:nvPicPr>
+        <p:blipFill>
+          <a:blip r:embed="rId3">
+            <a:alphaModFix/>
+          </a:blip>
+          <a:stretch>
+            <a:fillRect/>
+          </a:stretch>
+        </p:blipFill>
+        <p:spPr>
+          <a:xfrm>
+            <a:off x="152400" y="1170125"/>
+            <a:ext cx="4848225" cy="3238500"/>
+          </a:xfrm>
+          <a:prstGeom prst="rect">
+            <a:avLst/>
+          </a:prstGeom>
+          <a:noFill/>
+          <a:ln>
+            <a:noFill/>
+          </a:ln>
+        </p:spPr>
+      </p:pic>
+      <p:pic>
+        <p:nvPicPr>
+          <p:cNvPr id="127" name="Google Shape;127;p26"/>
+          <p:cNvPicPr preferRelativeResize="0"/>
+          <p:nvPr/>
+        </p:nvPicPr>
+        <p:blipFill>
+          <a:blip r:embed="rId4">
+            <a:alphaModFix/>
+          </a:blip>
+          <a:stretch>
+            <a:fillRect/>
+          </a:stretch>
+        </p:blipFill>
+        <p:spPr>
+          <a:xfrm>
+            <a:off x="5192425" y="1518275"/>
+            <a:ext cx="3838575" cy="2482384"/>
+          </a:xfrm>
+          <a:prstGeom prst="rect">
+            <a:avLst/>
+          </a:prstGeom>
+          <a:noFill/>
+          <a:ln>
+            <a:noFill/>
+          </a:ln>
+        </p:spPr>
+      </p:pic>
+    </p:spTree>
+  </p:cSld>
+  <p:clrMapOvr>
+    <a:masterClrMapping/>
+  </p:clrMapOvr>
+</p:sld>
+</file>
+
+<file path=ppt/slides/slide15.xml><?xml version="1.0" encoding="utf-8"?>
+<p:sld xmlns:a="http://schemas.openxmlformats.org/drawingml/2006/main" xmlns:r="http://schemas.openxmlformats.org/officeDocument/2006/relationships" xmlns:p="http://schemas.openxmlformats.org/presentationml/2006/main">
+  <p:cSld>
+    <p:spTree>
+      <p:nvGrpSpPr>
+        <p:cNvPr id="1" name="Shape 131"/>
+        <p:cNvGrpSpPr/>
+        <p:nvPr/>
+      </p:nvGrpSpPr>
+      <p:grpSpPr>
+        <a:xfrm>
+          <a:off x="0" y="0"/>
+          <a:ext cx="0" cy="0"/>
+          <a:chOff x="0" y="0"/>
+          <a:chExt cx="0" cy="0"/>
+        </a:xfrm>
+      </p:grpSpPr>
+      <p:pic>
+        <p:nvPicPr>
+          <p:cNvPr id="132" name="Google Shape;132;p27"/>
           <p:cNvPicPr preferRelativeResize="0"/>
           <p:nvPr/>
         </p:nvPicPr>
@@ -7054,12 +7767,12 @@
 </p:sld>
 </file>
 
-<file path=ppt/slides/slide13.xml><?xml version="1.0" encoding="utf-8"?>
+<file path=ppt/slides/slide16.xml><?xml version="1.0" encoding="utf-8"?>
 <p:sld xmlns:a="http://schemas.openxmlformats.org/drawingml/2006/main" xmlns:r="http://schemas.openxmlformats.org/officeDocument/2006/relationships" xmlns:p="http://schemas.openxmlformats.org/presentationml/2006/main">
   <p:cSld>
     <p:spTree>
       <p:nvGrpSpPr>
-        <p:cNvPr id="1" name="Shape 114"/>
+        <p:cNvPr id="1" name="Shape 136"/>
         <p:cNvGrpSpPr/>
         <p:nvPr/>
       </p:nvGrpSpPr>
@@ -7073,7 +7786,7 @@
       </p:grpSpPr>
       <p:pic>
         <p:nvPicPr>
-          <p:cNvPr id="115" name="Google Shape;115;p25"/>
+          <p:cNvPr id="137" name="Google Shape;137;p28"/>
           <p:cNvPicPr preferRelativeResize="0"/>
           <p:nvPr/>
         </p:nvPicPr>
@@ -7291,19 +8004,9 @@
             </a:r>
           </a:p>
           <a:p>
-            <a:pPr marL="457200" lvl="0" indent="-342900" algn="l" rtl="0">
-              <a:spcBef>
-                <a:spcPts val="0"/>
-              </a:spcBef>
-              <a:spcAft>
-                <a:spcPts val="0"/>
-              </a:spcAft>
-              <a:buSzPts val="1800"/>
-              <a:buChar char="●"/>
-            </a:pPr>
             <a:r>
-              <a:rPr lang="en-US" dirty="0"/>
-              <a:t>Production Company</a:t>
+              <a:rPr lang="en-US"/>
+              <a:t>Production company</a:t>
             </a:r>
             <a:endParaRPr dirty="0"/>
           </a:p>
@@ -7371,8 +8074,9 @@
             </a:pPr>
             <a:r>
               <a:rPr lang="en" dirty="0"/>
-              <a:t>Writer </a:t>
+              <a:t>Writer</a:t>
             </a:r>
+            <a:endParaRPr dirty="0"/>
           </a:p>
         </p:txBody>
       </p:sp>
